--- a/Breathalyzer Presentation.pptx
+++ b/Breathalyzer Presentation.pptx
@@ -14134,43 +14134,15 @@
           </a:p>
         </p:txBody>
       </p:sp>
-      <p:pic>
-        <p:nvPicPr>
-          <p:cNvPr id="174" name="Google Shape;174;p23"/>
-          <p:cNvPicPr preferRelativeResize="0"/>
-          <p:nvPr/>
-        </p:nvPicPr>
-        <p:blipFill>
-          <a:blip r:embed="rId3">
-            <a:alphaModFix/>
-          </a:blip>
-          <a:stretch>
-            <a:fillRect/>
-          </a:stretch>
-        </p:blipFill>
-        <p:spPr>
-          <a:xfrm>
-            <a:off x="1908175" y="961825"/>
-            <a:ext cx="5670624" cy="4223349"/>
-          </a:xfrm>
-          <a:prstGeom prst="rect">
-            <a:avLst/>
-          </a:prstGeom>
-          <a:noFill/>
-          <a:ln>
-            <a:noFill/>
-          </a:ln>
-        </p:spPr>
-      </p:pic>
       <p:sp>
         <p:nvSpPr>
-          <p:cNvPr id="175" name="Google Shape;175;p23"/>
+          <p:cNvPr id="174" name="Google Shape;174;p23"/>
           <p:cNvSpPr txBox="1"/>
           <p:nvPr/>
         </p:nvSpPr>
         <p:spPr>
           <a:xfrm>
-            <a:off x="822950" y="5091000"/>
+            <a:off x="657425" y="5435725"/>
             <a:ext cx="5811000" cy="874800"/>
           </a:xfrm>
           <a:prstGeom prst="rect">
@@ -14205,7 +14177,7 @@
                 <a:cs typeface="Calibri"/>
                 <a:sym typeface="Calibri"/>
               </a:rPr>
-              <a:t>7 segment display, button, battery and buzzer connection not showing </a:t>
+              <a:t>More complicated than ours and uses a different arduino, but otherwise has similar components </a:t>
             </a:r>
             <a:endParaRPr sz="1800">
               <a:latin typeface="Calibri"/>
@@ -14216,6 +14188,34 @@
           </a:p>
         </p:txBody>
       </p:sp>
+      <p:pic>
+        <p:nvPicPr>
+          <p:cNvPr id="175" name="Google Shape;175;p23"/>
+          <p:cNvPicPr preferRelativeResize="0"/>
+          <p:nvPr/>
+        </p:nvPicPr>
+        <p:blipFill>
+          <a:blip r:embed="rId3">
+            <a:alphaModFix/>
+          </a:blip>
+          <a:stretch>
+            <a:fillRect/>
+          </a:stretch>
+        </p:blipFill>
+        <p:spPr>
+          <a:xfrm>
+            <a:off x="884275" y="1088375"/>
+            <a:ext cx="7421151" cy="4347350"/>
+          </a:xfrm>
+          <a:prstGeom prst="rect">
+            <a:avLst/>
+          </a:prstGeom>
+          <a:noFill/>
+          <a:ln>
+            <a:noFill/>
+          </a:ln>
+        </p:spPr>
+      </p:pic>
     </p:spTree>
   </p:cSld>
   <p:clrMapOvr>
@@ -14861,7 +14861,7 @@
             <a:tbl>
               <a:tblPr>
                 <a:noFill/>
-                <a:tableStyleId>{DA5F4AE4-74D4-44B1-A32A-B32182C69157}</a:tableStyleId>
+                <a:tableStyleId>{8D2AD577-08E7-4870-B3CC-5F0BAB539DA2}</a:tableStyleId>
               </a:tblPr>
               <a:tblGrid>
                 <a:gridCol w="2580875"/>
@@ -17951,7 +17951,7 @@
             <a:tbl>
               <a:tblPr>
                 <a:noFill/>
-                <a:tableStyleId>{02797476-544E-4C7C-BE6F-F7096AA9C6A2}</a:tableStyleId>
+                <a:tableStyleId>{A737341C-4B78-4A5B-996A-7B6F21CF5C91}</a:tableStyleId>
               </a:tblPr>
               <a:tblGrid>
                 <a:gridCol w="1385275"/>
